--- a/CN.pptx
+++ b/CN.pptx
@@ -189,7 +189,7 @@
   </p:defaultTextStyle>
   <p:extLst>
     <p:ext uri="{EFAFB233-063F-42B5-8137-9DF3F51BA10A}">
-      <p15:sldGuideLst xmlns:p15="http://schemas.microsoft.com/office/powerpoint/2012/main">
+      <p15:sldGuideLst xmlns:p15="http://schemas.microsoft.com/office/powerpoint/2012/main" xmlns="">
         <p15:guide id="1" orient="horz" pos="2160">
           <p15:clr>
             <a:srgbClr val="A4A3A4"/>
@@ -7382,7 +7382,7 @@
           <p:cNvPr id="2" name="Title 1">
             <a:extLst>
               <a:ext uri="{FF2B5EF4-FFF2-40B4-BE49-F238E27FC236}">
-                <a16:creationId xmlns:a16="http://schemas.microsoft.com/office/drawing/2014/main" id="{CF08130F-DA6D-4D19-B10C-D85018F22187}"/>
+                <a16:creationId xmlns:a16="http://schemas.microsoft.com/office/drawing/2014/main" xmlns="" id="{CF08130F-DA6D-4D19-B10C-D85018F22187}"/>
               </a:ext>
             </a:extLst>
           </p:cNvPr>
@@ -7407,7 +7407,7 @@
           <p:cNvPr id="3" name="Content Placeholder 2">
             <a:extLst>
               <a:ext uri="{FF2B5EF4-FFF2-40B4-BE49-F238E27FC236}">
-                <a16:creationId xmlns:a16="http://schemas.microsoft.com/office/drawing/2014/main" id="{5B67FD08-5E99-410D-AAB1-55A312F1BB99}"/>
+                <a16:creationId xmlns:a16="http://schemas.microsoft.com/office/drawing/2014/main" xmlns="" id="{5B67FD08-5E99-410D-AAB1-55A312F1BB99}"/>
               </a:ext>
             </a:extLst>
           </p:cNvPr>
@@ -8181,7 +8181,7 @@
           <p:cNvPr id="2" name="Title 1">
             <a:extLst>
               <a:ext uri="{FF2B5EF4-FFF2-40B4-BE49-F238E27FC236}">
-                <a16:creationId xmlns:a16="http://schemas.microsoft.com/office/drawing/2014/main" id="{85F2CB70-9412-4FA5-B548-9ACE38048B99}"/>
+                <a16:creationId xmlns:a16="http://schemas.microsoft.com/office/drawing/2014/main" xmlns="" id="{85F2CB70-9412-4FA5-B548-9ACE38048B99}"/>
               </a:ext>
             </a:extLst>
           </p:cNvPr>
@@ -8206,7 +8206,7 @@
           <p:cNvPr id="3" name="Content Placeholder 2">
             <a:extLst>
               <a:ext uri="{FF2B5EF4-FFF2-40B4-BE49-F238E27FC236}">
-                <a16:creationId xmlns:a16="http://schemas.microsoft.com/office/drawing/2014/main" id="{5522416C-031B-489F-9936-9E1DE2B46B49}"/>
+                <a16:creationId xmlns:a16="http://schemas.microsoft.com/office/drawing/2014/main" xmlns="" id="{5522416C-031B-489F-9936-9E1DE2B46B49}"/>
               </a:ext>
             </a:extLst>
           </p:cNvPr>
@@ -9960,39 +9960,25 @@
               <a:t> con </a:t>
             </a:r>
             <a:r>
-              <a:rPr lang="en-US" sz="5400" b="1" dirty="0" err="1">
+              <a:rPr lang="en-US" sz="5400" b="1" err="1">
                 <a:latin typeface="Times New Roman" panose="02020603050405020304" pitchFamily="18" charset="0"/>
                 <a:cs typeface="Times New Roman" panose="02020603050405020304" pitchFamily="18" charset="0"/>
               </a:rPr>
               <a:t>xin</a:t>
             </a:r>
             <a:r>
-              <a:rPr lang="en-US" sz="5400" b="1" dirty="0">
-                <a:latin typeface="Times New Roman" panose="02020603050405020304" pitchFamily="18" charset="0"/>
-                <a:cs typeface="Times New Roman" panose="02020603050405020304" pitchFamily="18" charset="0"/>
-              </a:rPr>
-              <a:t> ng</a:t>
-            </a:r>
-            <a:r>
-              <a:rPr lang="vi-VN" sz="5400" b="1" dirty="0">
-                <a:latin typeface="Times New Roman" panose="02020603050405020304" pitchFamily="18" charset="0"/>
-                <a:cs typeface="Times New Roman" panose="02020603050405020304" pitchFamily="18" charset="0"/>
-              </a:rPr>
-              <a:t>ư</a:t>
-            </a:r>
-            <a:r>
-              <a:rPr lang="en-US" sz="5400" b="1" dirty="0" err="1">
-                <a:latin typeface="Times New Roman" panose="02020603050405020304" pitchFamily="18" charset="0"/>
-                <a:cs typeface="Times New Roman" panose="02020603050405020304" pitchFamily="18" charset="0"/>
-              </a:rPr>
-              <a:t>ợi</a:t>
-            </a:r>
-            <a:r>
-              <a:rPr lang="en-US" sz="5400" b="1" dirty="0">
-                <a:latin typeface="Times New Roman" panose="02020603050405020304" pitchFamily="18" charset="0"/>
-                <a:cs typeface="Times New Roman" panose="02020603050405020304" pitchFamily="18" charset="0"/>
-              </a:rPr>
-              <a:t> </a:t>
+              <a:rPr lang="en-US" sz="5400" b="1">
+                <a:latin typeface="Times New Roman" panose="02020603050405020304" pitchFamily="18" charset="0"/>
+                <a:cs typeface="Times New Roman" panose="02020603050405020304" pitchFamily="18" charset="0"/>
+              </a:rPr>
+              <a:t> </a:t>
+            </a:r>
+            <a:r>
+              <a:rPr lang="en-US" sz="5400" b="1" smtClean="0">
+                <a:latin typeface="Times New Roman" panose="02020603050405020304" pitchFamily="18" charset="0"/>
+                <a:cs typeface="Times New Roman" panose="02020603050405020304" pitchFamily="18" charset="0"/>
+              </a:rPr>
+              <a:t>ngợi </a:t>
             </a:r>
             <a:r>
               <a:rPr lang="en-US" sz="5400" b="1" dirty="0" err="1">
@@ -11548,7 +11534,7 @@
         </p:nvSpPr>
         <p:spPr>
           <a:xfrm>
-            <a:off x="0" y="1276350"/>
+            <a:off x="0" y="936716"/>
             <a:ext cx="9144000" cy="5105400"/>
           </a:xfrm>
         </p:spPr>
@@ -11940,135 +11926,29 @@
               <a:t>miên</a:t>
             </a:r>
             <a:r>
-              <a:rPr lang="en-US" sz="5400" b="1" dirty="0">
-                <a:solidFill>
-                  <a:schemeClr val="tx1"/>
-                </a:solidFill>
-                <a:latin typeface="Times New Roman" pitchFamily="18" charset="0"/>
-                <a:cs typeface="Times New Roman" pitchFamily="18" charset="0"/>
-              </a:rPr>
-              <a:t>. Ta </a:t>
-            </a:r>
-            <a:r>
-              <a:rPr lang="en-US" sz="5400" b="1" dirty="0" err="1">
-                <a:solidFill>
-                  <a:schemeClr val="tx1"/>
-                </a:solidFill>
-                <a:latin typeface="Times New Roman" pitchFamily="18" charset="0"/>
-                <a:cs typeface="Times New Roman" pitchFamily="18" charset="0"/>
-              </a:rPr>
-              <a:t>sống</a:t>
-            </a:r>
-            <a:r>
-              <a:rPr lang="en-US" sz="5400" b="1" dirty="0">
-                <a:solidFill>
-                  <a:schemeClr val="tx1"/>
-                </a:solidFill>
-                <a:latin typeface="Times New Roman" pitchFamily="18" charset="0"/>
-                <a:cs typeface="Times New Roman" pitchFamily="18" charset="0"/>
-              </a:rPr>
-              <a:t> </a:t>
-            </a:r>
-            <a:r>
-              <a:rPr lang="en-US" sz="5400" b="1" dirty="0" err="1">
-                <a:solidFill>
-                  <a:schemeClr val="tx1"/>
-                </a:solidFill>
-                <a:latin typeface="Times New Roman" pitchFamily="18" charset="0"/>
-                <a:cs typeface="Times New Roman" pitchFamily="18" charset="0"/>
-              </a:rPr>
-              <a:t>sao</a:t>
-            </a:r>
-            <a:r>
-              <a:rPr lang="en-US" sz="5400" b="1" dirty="0">
-                <a:solidFill>
-                  <a:schemeClr val="tx1"/>
-                </a:solidFill>
-                <a:latin typeface="Times New Roman" pitchFamily="18" charset="0"/>
-                <a:cs typeface="Times New Roman" pitchFamily="18" charset="0"/>
-              </a:rPr>
-              <a:t> </a:t>
-            </a:r>
-            <a:r>
-              <a:rPr lang="en-US" sz="5400" b="1" dirty="0" err="1">
-                <a:solidFill>
-                  <a:schemeClr val="tx1"/>
-                </a:solidFill>
-                <a:latin typeface="Times New Roman" pitchFamily="18" charset="0"/>
-                <a:cs typeface="Times New Roman" pitchFamily="18" charset="0"/>
-              </a:rPr>
-              <a:t>để</a:t>
-            </a:r>
-            <a:r>
-              <a:rPr lang="en-US" sz="5400" b="1" dirty="0">
-                <a:solidFill>
-                  <a:schemeClr val="tx1"/>
-                </a:solidFill>
-                <a:latin typeface="Times New Roman" pitchFamily="18" charset="0"/>
-                <a:cs typeface="Times New Roman" pitchFamily="18" charset="0"/>
-              </a:rPr>
-              <a:t> </a:t>
-            </a:r>
-            <a:r>
-              <a:rPr lang="en-US" sz="5400" b="1" dirty="0" err="1">
-                <a:solidFill>
-                  <a:schemeClr val="tx1"/>
-                </a:solidFill>
-                <a:latin typeface="Times New Roman" pitchFamily="18" charset="0"/>
-                <a:cs typeface="Times New Roman" pitchFamily="18" charset="0"/>
-              </a:rPr>
-              <a:t>thành</a:t>
-            </a:r>
-            <a:r>
-              <a:rPr lang="en-US" sz="5400" b="1" dirty="0">
-                <a:solidFill>
-                  <a:schemeClr val="tx1"/>
-                </a:solidFill>
-                <a:latin typeface="Times New Roman" pitchFamily="18" charset="0"/>
-                <a:cs typeface="Times New Roman" pitchFamily="18" charset="0"/>
-              </a:rPr>
-              <a:t> </a:t>
-            </a:r>
-            <a:r>
-              <a:rPr lang="en-US" sz="5400" b="1" dirty="0" err="1">
-                <a:solidFill>
-                  <a:schemeClr val="tx1"/>
-                </a:solidFill>
-                <a:latin typeface="Times New Roman" pitchFamily="18" charset="0"/>
-                <a:cs typeface="Times New Roman" pitchFamily="18" charset="0"/>
-              </a:rPr>
-              <a:t>chứng</a:t>
-            </a:r>
-            <a:r>
-              <a:rPr lang="en-US" sz="5400" b="1" dirty="0">
-                <a:solidFill>
-                  <a:schemeClr val="tx1"/>
-                </a:solidFill>
-                <a:latin typeface="Times New Roman" pitchFamily="18" charset="0"/>
-                <a:cs typeface="Times New Roman" pitchFamily="18" charset="0"/>
-              </a:rPr>
-              <a:t> </a:t>
-            </a:r>
-            <a:r>
-              <a:rPr lang="en-US" sz="5400" b="1" dirty="0" err="1">
-                <a:solidFill>
-                  <a:schemeClr val="tx1"/>
-                </a:solidFill>
-                <a:latin typeface="Times New Roman" pitchFamily="18" charset="0"/>
-                <a:cs typeface="Times New Roman" pitchFamily="18" charset="0"/>
-              </a:rPr>
-              <a:t>nhân</a:t>
-            </a:r>
-            <a:r>
-              <a:rPr lang="en-US" sz="5400" b="1" dirty="0">
-                <a:solidFill>
-                  <a:schemeClr val="tx1"/>
-                </a:solidFill>
-                <a:latin typeface="Times New Roman" pitchFamily="18" charset="0"/>
-                <a:cs typeface="Times New Roman" pitchFamily="18" charset="0"/>
-              </a:rPr>
-              <a:t>.</a:t>
-            </a:r>
+              <a:rPr lang="en-US" sz="5400" b="1">
+                <a:solidFill>
+                  <a:schemeClr val="tx1"/>
+                </a:solidFill>
+                <a:latin typeface="Times New Roman" pitchFamily="18" charset="0"/>
+                <a:cs typeface="Times New Roman" pitchFamily="18" charset="0"/>
+              </a:rPr>
+              <a:t>. </a:t>
+            </a:r>
+            <a:r>
+              <a:rPr lang="en-US" sz="5400" b="1">
+                <a:latin typeface="Times New Roman" pitchFamily="18" charset="0"/>
+                <a:cs typeface="Times New Roman" pitchFamily="18" charset="0"/>
+              </a:rPr>
+              <a:t>Ta sống sao để thành chứng nhân. Ta sống sao để thành chứng nhân.</a:t>
+            </a:r>
+            <a:endParaRPr lang="vi-VN" sz="5400" b="1">
+              <a:latin typeface="Times New Roman" pitchFamily="18" charset="0"/>
+              <a:cs typeface="Times New Roman" pitchFamily="18" charset="0"/>
+            </a:endParaRPr>
+          </a:p>
+          <a:p>
+            <a:pPr algn="just"/>
             <a:endParaRPr lang="vi-VN" sz="5400" b="1" dirty="0">
               <a:solidFill>
                 <a:schemeClr val="tx1"/>
@@ -17947,39 +17827,25 @@
               <a:t> con </a:t>
             </a:r>
             <a:r>
-              <a:rPr lang="en-US" sz="5400" b="1" dirty="0" err="1">
+              <a:rPr lang="en-US" sz="5400" b="1" err="1">
                 <a:latin typeface="Times New Roman" panose="02020603050405020304" pitchFamily="18" charset="0"/>
                 <a:cs typeface="Times New Roman" panose="02020603050405020304" pitchFamily="18" charset="0"/>
               </a:rPr>
               <a:t>xin</a:t>
             </a:r>
             <a:r>
-              <a:rPr lang="en-US" sz="5400" b="1" dirty="0">
-                <a:latin typeface="Times New Roman" panose="02020603050405020304" pitchFamily="18" charset="0"/>
-                <a:cs typeface="Times New Roman" panose="02020603050405020304" pitchFamily="18" charset="0"/>
-              </a:rPr>
-              <a:t> ng</a:t>
-            </a:r>
-            <a:r>
-              <a:rPr lang="vi-VN" sz="5400" b="1" dirty="0">
-                <a:latin typeface="Times New Roman" panose="02020603050405020304" pitchFamily="18" charset="0"/>
-                <a:cs typeface="Times New Roman" panose="02020603050405020304" pitchFamily="18" charset="0"/>
-              </a:rPr>
-              <a:t>ư</a:t>
-            </a:r>
-            <a:r>
-              <a:rPr lang="en-US" sz="5400" b="1" dirty="0" err="1">
-                <a:latin typeface="Times New Roman" panose="02020603050405020304" pitchFamily="18" charset="0"/>
-                <a:cs typeface="Times New Roman" panose="02020603050405020304" pitchFamily="18" charset="0"/>
-              </a:rPr>
-              <a:t>ợi</a:t>
-            </a:r>
-            <a:r>
-              <a:rPr lang="en-US" sz="5400" b="1" dirty="0">
-                <a:latin typeface="Times New Roman" panose="02020603050405020304" pitchFamily="18" charset="0"/>
-                <a:cs typeface="Times New Roman" panose="02020603050405020304" pitchFamily="18" charset="0"/>
-              </a:rPr>
-              <a:t> </a:t>
+              <a:rPr lang="en-US" sz="5400" b="1">
+                <a:latin typeface="Times New Roman" panose="02020603050405020304" pitchFamily="18" charset="0"/>
+                <a:cs typeface="Times New Roman" panose="02020603050405020304" pitchFamily="18" charset="0"/>
+              </a:rPr>
+              <a:t> </a:t>
+            </a:r>
+            <a:r>
+              <a:rPr lang="en-US" sz="5400" b="1" smtClean="0">
+                <a:latin typeface="Times New Roman" panose="02020603050405020304" pitchFamily="18" charset="0"/>
+                <a:cs typeface="Times New Roman" panose="02020603050405020304" pitchFamily="18" charset="0"/>
+              </a:rPr>
+              <a:t>ngợi </a:t>
             </a:r>
             <a:r>
               <a:rPr lang="en-US" sz="5400" b="1" dirty="0" err="1">
@@ -23984,8 +23850,8 @@
         </p:nvSpPr>
         <p:spPr>
           <a:xfrm>
-            <a:off x="0" y="1276350"/>
-            <a:ext cx="9144000" cy="5105400"/>
+            <a:off x="0" y="849086"/>
+            <a:ext cx="9144000" cy="5532664"/>
           </a:xfrm>
         </p:spPr>
         <p:txBody>
@@ -24486,7 +24352,7 @@
               <a:t> </a:t>
             </a:r>
             <a:r>
-              <a:rPr lang="en-US" sz="5400" b="1" dirty="0" err="1">
+              <a:rPr lang="en-US" sz="5400" b="1" err="1">
                 <a:solidFill>
                   <a:schemeClr val="tx1"/>
                 </a:solidFill>
@@ -24496,15 +24362,19 @@
               <a:t>nhân</a:t>
             </a:r>
             <a:r>
-              <a:rPr lang="en-US" sz="5400" b="1" dirty="0">
-                <a:solidFill>
-                  <a:schemeClr val="tx1"/>
-                </a:solidFill>
-                <a:latin typeface="Times New Roman" pitchFamily="18" charset="0"/>
-                <a:cs typeface="Times New Roman" pitchFamily="18" charset="0"/>
-              </a:rPr>
-              <a:t>.</a:t>
-            </a:r>
+              <a:rPr lang="en-US" sz="5400" b="1">
+                <a:latin typeface="Times New Roman" pitchFamily="18" charset="0"/>
+                <a:cs typeface="Times New Roman" pitchFamily="18" charset="0"/>
+              </a:rPr>
+              <a:t>. Ta sống sao để thành chứng nhân.</a:t>
+            </a:r>
+            <a:endParaRPr lang="vi-VN" sz="5400" b="1">
+              <a:latin typeface="Times New Roman" pitchFamily="18" charset="0"/>
+              <a:cs typeface="Times New Roman" pitchFamily="18" charset="0"/>
+            </a:endParaRPr>
+          </a:p>
+          <a:p>
+            <a:pPr algn="just"/>
             <a:endParaRPr lang="vi-VN" sz="5400" b="1" dirty="0">
               <a:solidFill>
                 <a:schemeClr val="tx1"/>
@@ -25675,6 +25545,15 @@
           </a:p>
           <a:p>
             <a:pPr algn="l"/>
+            <a:r>
+              <a:rPr lang="vi-VN" sz="4000" b="1" dirty="0">
+                <a:solidFill>
+                  <a:schemeClr val="tx1"/>
+                </a:solidFill>
+                <a:latin typeface="+mj-lt"/>
+              </a:rPr>
+              <a:t/>
+            </a:r>
             <a:br>
               <a:rPr lang="vi-VN" sz="4000" b="1" dirty="0">
                 <a:solidFill>
@@ -25683,6 +25562,14 @@
                 <a:latin typeface="+mj-lt"/>
               </a:rPr>
             </a:br>
+            <a:r>
+              <a:rPr lang="vi-VN" sz="4000" b="1" dirty="0">
+                <a:solidFill>
+                  <a:schemeClr val="tx1"/>
+                </a:solidFill>
+              </a:rPr>
+              <a:t/>
+            </a:r>
             <a:br>
               <a:rPr lang="vi-VN" sz="4000" b="1" dirty="0">
                 <a:solidFill>
@@ -25718,7 +25605,7 @@
   <a:themeElements>
     <a:clrScheme name="Office Theme">
       <a:dk1>
-        <a:sysClr val="windowText" lastClr="000000"/>
+        <a:sysClr val="windowText" lastClr="1F1F1F"/>
       </a:dk1>
       <a:lt1>
         <a:sysClr val="window" lastClr="FFFFFF"/>
@@ -25968,7 +25855,7 @@
   <a:extraClrSchemeLst/>
   <a:extLst>
     <a:ext uri="{05A4C25C-085E-4340-85A3-A5531E510DB2}">
-      <thm15:themeFamily xmlns:thm15="http://schemas.microsoft.com/office/thememl/2012/main" name="Office Theme" id="{62F939B6-93AF-4DB8-9C6B-D6C7DFDC589F}" vid="{4A3C46E8-61CC-4603-A589-7422A47A8E4A}"/>
+      <thm15:themeFamily xmlns:thm15="http://schemas.microsoft.com/office/thememl/2012/main" xmlns="" name="Office Theme" id="{62F939B6-93AF-4DB8-9C6B-D6C7DFDC589F}" vid="{4A3C46E8-61CC-4603-A589-7422A47A8E4A}"/>
     </a:ext>
   </a:extLst>
 </a:theme>
@@ -25979,7 +25866,7 @@
   <a:themeElements>
     <a:clrScheme name="Office">
       <a:dk1>
-        <a:sysClr val="windowText" lastClr="000000"/>
+        <a:sysClr val="windowText" lastClr="1F1F1F"/>
       </a:dk1>
       <a:lt1>
         <a:sysClr val="window" lastClr="FFFFFF"/>
@@ -26229,7 +26116,7 @@
   <a:extraClrSchemeLst/>
   <a:extLst>
     <a:ext uri="{05A4C25C-085E-4340-85A3-A5531E510DB2}">
-      <thm15:themeFamily xmlns:thm15="http://schemas.microsoft.com/office/thememl/2012/main" name="Office Theme" id="{62F939B6-93AF-4DB8-9C6B-D6C7DFDC589F}" vid="{4A3C46E8-61CC-4603-A589-7422A47A8E4A}"/>
+      <thm15:themeFamily xmlns:thm15="http://schemas.microsoft.com/office/thememl/2012/main" xmlns="" name="Office Theme" id="{62F939B6-93AF-4DB8-9C6B-D6C7DFDC589F}" vid="{4A3C46E8-61CC-4603-A589-7422A47A8E4A}"/>
     </a:ext>
   </a:extLst>
 </a:theme>
